--- a/第四组答辩报告.pptx
+++ b/第四组答辩报告.pptx
@@ -4,18 +4,23 @@
   <p:sldMasterIdLst>
     <p:sldMasterId id="2147483762" r:id="rId1"/>
   </p:sldMasterIdLst>
+  <p:notesMasterIdLst>
+    <p:notesMasterId r:id="rId15"/>
+  </p:notesMasterIdLst>
   <p:sldIdLst>
     <p:sldId id="256" r:id="rId2"/>
     <p:sldId id="257" r:id="rId3"/>
     <p:sldId id="258" r:id="rId4"/>
-    <p:sldId id="259" r:id="rId5"/>
-    <p:sldId id="260" r:id="rId6"/>
-    <p:sldId id="262" r:id="rId7"/>
-    <p:sldId id="263" r:id="rId8"/>
-    <p:sldId id="264" r:id="rId9"/>
-    <p:sldId id="261" r:id="rId10"/>
-    <p:sldId id="265" r:id="rId11"/>
-    <p:sldId id="266" r:id="rId12"/>
+    <p:sldId id="299" r:id="rId5"/>
+    <p:sldId id="298" r:id="rId6"/>
+    <p:sldId id="259" r:id="rId7"/>
+    <p:sldId id="260" r:id="rId8"/>
+    <p:sldId id="262" r:id="rId9"/>
+    <p:sldId id="263" r:id="rId10"/>
+    <p:sldId id="264" r:id="rId11"/>
+    <p:sldId id="261" r:id="rId12"/>
+    <p:sldId id="265" r:id="rId13"/>
+    <p:sldId id="266" r:id="rId14"/>
   </p:sldIdLst>
   <p:sldSz cx="12192000" cy="6858000"/>
   <p:notesSz cx="6858000" cy="9144000"/>
@@ -122,6 +127,355 @@
 </p:presentation>
 </file>
 
+<file path=ppt/notesMasters/notesMaster1.xml><?xml version="1.0" encoding="utf-8"?>
+<p:notesMaster xmlns:a="http://schemas.openxmlformats.org/drawingml/2006/main" xmlns:r="http://schemas.openxmlformats.org/officeDocument/2006/relationships" xmlns:p="http://schemas.openxmlformats.org/presentationml/2006/main">
+  <p:cSld>
+    <p:bg>
+      <p:bgRef idx="1001">
+        <a:schemeClr val="bg1"/>
+      </p:bgRef>
+    </p:bg>
+    <p:spTree>
+      <p:nvGrpSpPr>
+        <p:cNvPr id="1" name=""/>
+        <p:cNvGrpSpPr/>
+        <p:nvPr/>
+      </p:nvGrpSpPr>
+      <p:grpSpPr>
+        <a:xfrm>
+          <a:off x="0" y="0"/>
+          <a:ext cx="0" cy="0"/>
+          <a:chOff x="0" y="0"/>
+          <a:chExt cx="0" cy="0"/>
+        </a:xfrm>
+      </p:grpSpPr>
+      <p:sp>
+        <p:nvSpPr>
+          <p:cNvPr id="2" name="页眉占位符 1"/>
+          <p:cNvSpPr>
+            <a:spLocks noGrp="1"/>
+          </p:cNvSpPr>
+          <p:nvPr>
+            <p:ph type="hdr" sz="quarter"/>
+          </p:nvPr>
+        </p:nvSpPr>
+        <p:spPr>
+          <a:xfrm>
+            <a:off x="0" y="0"/>
+            <a:ext cx="2971800" cy="458788"/>
+          </a:xfrm>
+          <a:prstGeom prst="rect">
+            <a:avLst/>
+          </a:prstGeom>
+        </p:spPr>
+        <p:txBody>
+          <a:bodyPr vert="horz" lIns="91440" tIns="45720" rIns="91440" bIns="45720" rtlCol="0"/>
+          <a:lstStyle>
+            <a:lvl1pPr algn="l">
+              <a:defRPr sz="1200"/>
+            </a:lvl1pPr>
+          </a:lstStyle>
+          <a:p>
+            <a:endParaRPr lang="zh-CN" altLang="en-US"/>
+          </a:p>
+        </p:txBody>
+      </p:sp>
+      <p:sp>
+        <p:nvSpPr>
+          <p:cNvPr id="3" name="日期占位符 2"/>
+          <p:cNvSpPr>
+            <a:spLocks noGrp="1"/>
+          </p:cNvSpPr>
+          <p:nvPr>
+            <p:ph type="dt" idx="1"/>
+          </p:nvPr>
+        </p:nvSpPr>
+        <p:spPr>
+          <a:xfrm>
+            <a:off x="3884613" y="0"/>
+            <a:ext cx="2971800" cy="458788"/>
+          </a:xfrm>
+          <a:prstGeom prst="rect">
+            <a:avLst/>
+          </a:prstGeom>
+        </p:spPr>
+        <p:txBody>
+          <a:bodyPr vert="horz" lIns="91440" tIns="45720" rIns="91440" bIns="45720" rtlCol="0"/>
+          <a:lstStyle>
+            <a:lvl1pPr algn="r">
+              <a:defRPr sz="1200"/>
+            </a:lvl1pPr>
+          </a:lstStyle>
+          <a:p>
+            <a:fld id="{59B686F3-7E25-4A68-8578-BD98AB05109F}" type="datetimeFigureOut">
+              <a:rPr lang="zh-CN" altLang="en-US" smtClean="0"/>
+              <a:t>2019/11/3</a:t>
+            </a:fld>
+            <a:endParaRPr lang="zh-CN" altLang="en-US"/>
+          </a:p>
+        </p:txBody>
+      </p:sp>
+      <p:sp>
+        <p:nvSpPr>
+          <p:cNvPr id="4" name="幻灯片图像占位符 3"/>
+          <p:cNvSpPr>
+            <a:spLocks noGrp="1" noRot="1" noChangeAspect="1"/>
+          </p:cNvSpPr>
+          <p:nvPr>
+            <p:ph type="sldImg" idx="2"/>
+          </p:nvPr>
+        </p:nvSpPr>
+        <p:spPr>
+          <a:xfrm>
+            <a:off x="685800" y="1143000"/>
+            <a:ext cx="5486400" cy="3086100"/>
+          </a:xfrm>
+          <a:prstGeom prst="rect">
+            <a:avLst/>
+          </a:prstGeom>
+          <a:noFill/>
+          <a:ln w="12700">
+            <a:solidFill>
+              <a:prstClr val="black"/>
+            </a:solidFill>
+          </a:ln>
+        </p:spPr>
+        <p:txBody>
+          <a:bodyPr vert="horz" lIns="91440" tIns="45720" rIns="91440" bIns="45720" rtlCol="0" anchor="ctr"/>
+          <a:lstStyle/>
+          <a:p>
+            <a:endParaRPr lang="zh-CN" altLang="en-US"/>
+          </a:p>
+        </p:txBody>
+      </p:sp>
+      <p:sp>
+        <p:nvSpPr>
+          <p:cNvPr id="5" name="备注占位符 4"/>
+          <p:cNvSpPr>
+            <a:spLocks noGrp="1"/>
+          </p:cNvSpPr>
+          <p:nvPr>
+            <p:ph type="body" sz="quarter" idx="3"/>
+          </p:nvPr>
+        </p:nvSpPr>
+        <p:spPr>
+          <a:xfrm>
+            <a:off x="685800" y="4400550"/>
+            <a:ext cx="5486400" cy="3600450"/>
+          </a:xfrm>
+          <a:prstGeom prst="rect">
+            <a:avLst/>
+          </a:prstGeom>
+        </p:spPr>
+        <p:txBody>
+          <a:bodyPr vert="horz" lIns="91440" tIns="45720" rIns="91440" bIns="45720" rtlCol="0"/>
+          <a:lstStyle/>
+          <a:p>
+            <a:pPr lvl="0"/>
+            <a:r>
+              <a:rPr lang="zh-CN" altLang="en-US"/>
+              <a:t>单击此处编辑母版文本样式</a:t>
+            </a:r>
+          </a:p>
+          <a:p>
+            <a:pPr lvl="1"/>
+            <a:r>
+              <a:rPr lang="zh-CN" altLang="en-US"/>
+              <a:t>二级</a:t>
+            </a:r>
+          </a:p>
+          <a:p>
+            <a:pPr lvl="2"/>
+            <a:r>
+              <a:rPr lang="zh-CN" altLang="en-US"/>
+              <a:t>三级</a:t>
+            </a:r>
+          </a:p>
+          <a:p>
+            <a:pPr lvl="3"/>
+            <a:r>
+              <a:rPr lang="zh-CN" altLang="en-US"/>
+              <a:t>四级</a:t>
+            </a:r>
+          </a:p>
+          <a:p>
+            <a:pPr lvl="4"/>
+            <a:r>
+              <a:rPr lang="zh-CN" altLang="en-US"/>
+              <a:t>五级</a:t>
+            </a:r>
+          </a:p>
+        </p:txBody>
+      </p:sp>
+      <p:sp>
+        <p:nvSpPr>
+          <p:cNvPr id="6" name="页脚占位符 5"/>
+          <p:cNvSpPr>
+            <a:spLocks noGrp="1"/>
+          </p:cNvSpPr>
+          <p:nvPr>
+            <p:ph type="ftr" sz="quarter" idx="4"/>
+          </p:nvPr>
+        </p:nvSpPr>
+        <p:spPr>
+          <a:xfrm>
+            <a:off x="0" y="8685213"/>
+            <a:ext cx="2971800" cy="458787"/>
+          </a:xfrm>
+          <a:prstGeom prst="rect">
+            <a:avLst/>
+          </a:prstGeom>
+        </p:spPr>
+        <p:txBody>
+          <a:bodyPr vert="horz" lIns="91440" tIns="45720" rIns="91440" bIns="45720" rtlCol="0" anchor="b"/>
+          <a:lstStyle>
+            <a:lvl1pPr algn="l">
+              <a:defRPr sz="1200"/>
+            </a:lvl1pPr>
+          </a:lstStyle>
+          <a:p>
+            <a:endParaRPr lang="zh-CN" altLang="en-US"/>
+          </a:p>
+        </p:txBody>
+      </p:sp>
+      <p:sp>
+        <p:nvSpPr>
+          <p:cNvPr id="7" name="灯片编号占位符 6"/>
+          <p:cNvSpPr>
+            <a:spLocks noGrp="1"/>
+          </p:cNvSpPr>
+          <p:nvPr>
+            <p:ph type="sldNum" sz="quarter" idx="5"/>
+          </p:nvPr>
+        </p:nvSpPr>
+        <p:spPr>
+          <a:xfrm>
+            <a:off x="3884613" y="8685213"/>
+            <a:ext cx="2971800" cy="458787"/>
+          </a:xfrm>
+          <a:prstGeom prst="rect">
+            <a:avLst/>
+          </a:prstGeom>
+        </p:spPr>
+        <p:txBody>
+          <a:bodyPr vert="horz" lIns="91440" tIns="45720" rIns="91440" bIns="45720" rtlCol="0" anchor="b"/>
+          <a:lstStyle>
+            <a:lvl1pPr algn="r">
+              <a:defRPr sz="1200"/>
+            </a:lvl1pPr>
+          </a:lstStyle>
+          <a:p>
+            <a:fld id="{205BA54E-AAB3-474B-8220-6602EBD02F6E}" type="slidenum">
+              <a:rPr lang="zh-CN" altLang="en-US" smtClean="0"/>
+              <a:t>‹#›</a:t>
+            </a:fld>
+            <a:endParaRPr lang="zh-CN" altLang="en-US"/>
+          </a:p>
+        </p:txBody>
+      </p:sp>
+    </p:spTree>
+    <p:extLst>
+      <p:ext uri="{BB962C8B-B14F-4D97-AF65-F5344CB8AC3E}">
+        <p14:creationId xmlns:p14="http://schemas.microsoft.com/office/powerpoint/2010/main" val="1256766020"/>
+      </p:ext>
+    </p:extLst>
+  </p:cSld>
+  <p:clrMap bg1="lt1" tx1="dk1" bg2="lt2" tx2="dk2" accent1="accent1" accent2="accent2" accent3="accent3" accent4="accent4" accent5="accent5" accent6="accent6" hlink="hlink" folHlink="folHlink"/>
+  <p:notesStyle>
+    <a:lvl1pPr marL="0" algn="l" defTabSz="914400" rtl="0" eaLnBrk="1" latinLnBrk="0" hangingPunct="1">
+      <a:defRPr sz="1200" kern="1200">
+        <a:solidFill>
+          <a:schemeClr val="tx1"/>
+        </a:solidFill>
+        <a:latin typeface="+mn-lt"/>
+        <a:ea typeface="+mn-ea"/>
+        <a:cs typeface="+mn-cs"/>
+      </a:defRPr>
+    </a:lvl1pPr>
+    <a:lvl2pPr marL="457200" algn="l" defTabSz="914400" rtl="0" eaLnBrk="1" latinLnBrk="0" hangingPunct="1">
+      <a:defRPr sz="1200" kern="1200">
+        <a:solidFill>
+          <a:schemeClr val="tx1"/>
+        </a:solidFill>
+        <a:latin typeface="+mn-lt"/>
+        <a:ea typeface="+mn-ea"/>
+        <a:cs typeface="+mn-cs"/>
+      </a:defRPr>
+    </a:lvl2pPr>
+    <a:lvl3pPr marL="914400" algn="l" defTabSz="914400" rtl="0" eaLnBrk="1" latinLnBrk="0" hangingPunct="1">
+      <a:defRPr sz="1200" kern="1200">
+        <a:solidFill>
+          <a:schemeClr val="tx1"/>
+        </a:solidFill>
+        <a:latin typeface="+mn-lt"/>
+        <a:ea typeface="+mn-ea"/>
+        <a:cs typeface="+mn-cs"/>
+      </a:defRPr>
+    </a:lvl3pPr>
+    <a:lvl4pPr marL="1371600" algn="l" defTabSz="914400" rtl="0" eaLnBrk="1" latinLnBrk="0" hangingPunct="1">
+      <a:defRPr sz="1200" kern="1200">
+        <a:solidFill>
+          <a:schemeClr val="tx1"/>
+        </a:solidFill>
+        <a:latin typeface="+mn-lt"/>
+        <a:ea typeface="+mn-ea"/>
+        <a:cs typeface="+mn-cs"/>
+      </a:defRPr>
+    </a:lvl4pPr>
+    <a:lvl5pPr marL="1828800" algn="l" defTabSz="914400" rtl="0" eaLnBrk="1" latinLnBrk="0" hangingPunct="1">
+      <a:defRPr sz="1200" kern="1200">
+        <a:solidFill>
+          <a:schemeClr val="tx1"/>
+        </a:solidFill>
+        <a:latin typeface="+mn-lt"/>
+        <a:ea typeface="+mn-ea"/>
+        <a:cs typeface="+mn-cs"/>
+      </a:defRPr>
+    </a:lvl5pPr>
+    <a:lvl6pPr marL="2286000" algn="l" defTabSz="914400" rtl="0" eaLnBrk="1" latinLnBrk="0" hangingPunct="1">
+      <a:defRPr sz="1200" kern="1200">
+        <a:solidFill>
+          <a:schemeClr val="tx1"/>
+        </a:solidFill>
+        <a:latin typeface="+mn-lt"/>
+        <a:ea typeface="+mn-ea"/>
+        <a:cs typeface="+mn-cs"/>
+      </a:defRPr>
+    </a:lvl6pPr>
+    <a:lvl7pPr marL="2743200" algn="l" defTabSz="914400" rtl="0" eaLnBrk="1" latinLnBrk="0" hangingPunct="1">
+      <a:defRPr sz="1200" kern="1200">
+        <a:solidFill>
+          <a:schemeClr val="tx1"/>
+        </a:solidFill>
+        <a:latin typeface="+mn-lt"/>
+        <a:ea typeface="+mn-ea"/>
+        <a:cs typeface="+mn-cs"/>
+      </a:defRPr>
+    </a:lvl7pPr>
+    <a:lvl8pPr marL="3200400" algn="l" defTabSz="914400" rtl="0" eaLnBrk="1" latinLnBrk="0" hangingPunct="1">
+      <a:defRPr sz="1200" kern="1200">
+        <a:solidFill>
+          <a:schemeClr val="tx1"/>
+        </a:solidFill>
+        <a:latin typeface="+mn-lt"/>
+        <a:ea typeface="+mn-ea"/>
+        <a:cs typeface="+mn-cs"/>
+      </a:defRPr>
+    </a:lvl8pPr>
+    <a:lvl9pPr marL="3657600" algn="l" defTabSz="914400" rtl="0" eaLnBrk="1" latinLnBrk="0" hangingPunct="1">
+      <a:defRPr sz="1200" kern="1200">
+        <a:solidFill>
+          <a:schemeClr val="tx1"/>
+        </a:solidFill>
+        <a:latin typeface="+mn-lt"/>
+        <a:ea typeface="+mn-ea"/>
+        <a:cs typeface="+mn-cs"/>
+      </a:defRPr>
+    </a:lvl9pPr>
+  </p:notesStyle>
+</p:notesMaster>
+</file>
+
 <file path=ppt/slideLayouts/slideLayout1.xml><?xml version="1.0" encoding="utf-8"?>
 <p:sldLayout xmlns:a="http://schemas.openxmlformats.org/drawingml/2006/main" xmlns:r="http://schemas.openxmlformats.org/officeDocument/2006/relationships" xmlns:p="http://schemas.openxmlformats.org/presentationml/2006/main" showMasterSp="0" type="title" preserve="1">
   <p:cSld name="标题幻灯片">
@@ -348,7 +702,7 @@
           <a:p>
             <a:fld id="{AC99817C-AB1D-4E92-AB3D-15D5373CB091}" type="datetimeFigureOut">
               <a:rPr lang="zh-CN" altLang="en-US" smtClean="0"/>
-              <a:t>2019/10/28</a:t>
+              <a:t>2019/11/3</a:t>
             </a:fld>
             <a:endParaRPr lang="zh-CN" altLang="en-US"/>
           </a:p>
@@ -518,7 +872,7 @@
           <a:p>
             <a:fld id="{AC99817C-AB1D-4E92-AB3D-15D5373CB091}" type="datetimeFigureOut">
               <a:rPr lang="zh-CN" altLang="en-US" smtClean="0"/>
-              <a:t>2019/10/28</a:t>
+              <a:t>2019/11/3</a:t>
             </a:fld>
             <a:endParaRPr lang="zh-CN" altLang="en-US"/>
           </a:p>
@@ -698,7 +1052,7 @@
           <a:p>
             <a:fld id="{AC99817C-AB1D-4E92-AB3D-15D5373CB091}" type="datetimeFigureOut">
               <a:rPr lang="zh-CN" altLang="en-US" smtClean="0"/>
-              <a:t>2019/10/28</a:t>
+              <a:t>2019/11/3</a:t>
             </a:fld>
             <a:endParaRPr lang="zh-CN" altLang="en-US"/>
           </a:p>
@@ -868,7 +1222,7 @@
           <a:p>
             <a:fld id="{AC99817C-AB1D-4E92-AB3D-15D5373CB091}" type="datetimeFigureOut">
               <a:rPr lang="zh-CN" altLang="en-US" smtClean="0"/>
-              <a:t>2019/10/28</a:t>
+              <a:t>2019/11/3</a:t>
             </a:fld>
             <a:endParaRPr lang="zh-CN" altLang="en-US"/>
           </a:p>
@@ -1126,7 +1480,7 @@
           <a:p>
             <a:fld id="{AC99817C-AB1D-4E92-AB3D-15D5373CB091}" type="datetimeFigureOut">
               <a:rPr lang="zh-CN" altLang="en-US" smtClean="0"/>
-              <a:t>2019/10/28</a:t>
+              <a:t>2019/11/3</a:t>
             </a:fld>
             <a:endParaRPr lang="zh-CN" altLang="en-US"/>
           </a:p>
@@ -1414,7 +1768,7 @@
           <a:p>
             <a:fld id="{AC99817C-AB1D-4E92-AB3D-15D5373CB091}" type="datetimeFigureOut">
               <a:rPr lang="zh-CN" altLang="en-US" smtClean="0"/>
-              <a:t>2019/10/28</a:t>
+              <a:t>2019/11/3</a:t>
             </a:fld>
             <a:endParaRPr lang="zh-CN" altLang="en-US"/>
           </a:p>
@@ -1856,7 +2210,7 @@
           <a:p>
             <a:fld id="{AC99817C-AB1D-4E92-AB3D-15D5373CB091}" type="datetimeFigureOut">
               <a:rPr lang="zh-CN" altLang="en-US" smtClean="0"/>
-              <a:t>2019/10/28</a:t>
+              <a:t>2019/11/3</a:t>
             </a:fld>
             <a:endParaRPr lang="zh-CN" altLang="en-US"/>
           </a:p>
@@ -1974,7 +2328,7 @@
           <a:p>
             <a:fld id="{AC99817C-AB1D-4E92-AB3D-15D5373CB091}" type="datetimeFigureOut">
               <a:rPr lang="zh-CN" altLang="en-US" smtClean="0"/>
-              <a:t>2019/10/28</a:t>
+              <a:t>2019/11/3</a:t>
             </a:fld>
             <a:endParaRPr lang="zh-CN" altLang="en-US"/>
           </a:p>
@@ -2069,7 +2423,7 @@
           <a:p>
             <a:fld id="{AC99817C-AB1D-4E92-AB3D-15D5373CB091}" type="datetimeFigureOut">
               <a:rPr lang="zh-CN" altLang="en-US" smtClean="0"/>
-              <a:t>2019/10/28</a:t>
+              <a:t>2019/11/3</a:t>
             </a:fld>
             <a:endParaRPr lang="zh-CN" altLang="en-US"/>
           </a:p>
@@ -2357,7 +2711,7 @@
           <a:p>
             <a:fld id="{AC99817C-AB1D-4E92-AB3D-15D5373CB091}" type="datetimeFigureOut">
               <a:rPr lang="zh-CN" altLang="en-US" smtClean="0"/>
-              <a:t>2019/10/28</a:t>
+              <a:t>2019/11/3</a:t>
             </a:fld>
             <a:endParaRPr lang="zh-CN" altLang="en-US"/>
           </a:p>
@@ -2631,7 +2985,7 @@
           <a:p>
             <a:fld id="{AC99817C-AB1D-4E92-AB3D-15D5373CB091}" type="datetimeFigureOut">
               <a:rPr lang="zh-CN" altLang="en-US" smtClean="0"/>
-              <a:t>2019/10/28</a:t>
+              <a:t>2019/11/3</a:t>
             </a:fld>
             <a:endParaRPr lang="zh-CN" altLang="en-US"/>
           </a:p>
@@ -2930,7 +3284,7 @@
           <a:p>
             <a:fld id="{AC99817C-AB1D-4E92-AB3D-15D5373CB091}" type="datetimeFigureOut">
               <a:rPr lang="zh-CN" altLang="en-US" smtClean="0"/>
-              <a:t>2019/10/28</a:t>
+              <a:t>2019/11/3</a:t>
             </a:fld>
             <a:endParaRPr lang="zh-CN" altLang="en-US"/>
           </a:p>
@@ -3560,6 +3914,552 @@
           <p:cNvPr id="2" name="标题 1">
             <a:extLst>
               <a:ext uri="{FF2B5EF4-FFF2-40B4-BE49-F238E27FC236}">
+                <a16:creationId xmlns:a16="http://schemas.microsoft.com/office/drawing/2014/main" id="{0FF03F54-CD7E-467D-900C-AC27D61ABFC8}"/>
+              </a:ext>
+            </a:extLst>
+          </p:cNvPr>
+          <p:cNvSpPr>
+            <a:spLocks noGrp="1"/>
+          </p:cNvSpPr>
+          <p:nvPr>
+            <p:ph type="title"/>
+          </p:nvPr>
+        </p:nvSpPr>
+        <p:spPr/>
+        <p:txBody>
+          <a:bodyPr/>
+          <a:lstStyle/>
+          <a:p>
+            <a:r>
+              <a:rPr lang="zh-CN" altLang="en-US" dirty="0"/>
+              <a:t>代码流程</a:t>
+            </a:r>
+          </a:p>
+        </p:txBody>
+      </p:sp>
+      <p:sp>
+        <p:nvSpPr>
+          <p:cNvPr id="3" name="内容占位符 2">
+            <a:extLst>
+              <a:ext uri="{FF2B5EF4-FFF2-40B4-BE49-F238E27FC236}">
+                <a16:creationId xmlns:a16="http://schemas.microsoft.com/office/drawing/2014/main" id="{F7BBF9D1-57A8-4649-B478-4713D3613F90}"/>
+              </a:ext>
+            </a:extLst>
+          </p:cNvPr>
+          <p:cNvSpPr>
+            <a:spLocks noGrp="1"/>
+          </p:cNvSpPr>
+          <p:nvPr>
+            <p:ph idx="1"/>
+          </p:nvPr>
+        </p:nvSpPr>
+        <p:spPr>
+          <a:xfrm>
+            <a:off x="3822596" y="1126651"/>
+            <a:ext cx="7315200" cy="4680260"/>
+          </a:xfrm>
+        </p:spPr>
+        <p:txBody>
+          <a:bodyPr>
+            <a:noAutofit/>
+          </a:bodyPr>
+          <a:lstStyle/>
+          <a:p>
+            <a:r>
+              <a:rPr lang="en-US" altLang="zh-CN" sz="3200" dirty="0"/>
+              <a:t>4. </a:t>
+            </a:r>
+            <a:r>
+              <a:rPr lang="zh-CN" altLang="en-US" sz="3200" dirty="0"/>
+              <a:t>求解轨迹</a:t>
+            </a:r>
+            <a:endParaRPr lang="en-US" altLang="zh-CN" sz="3200" dirty="0"/>
+          </a:p>
+          <a:p>
+            <a:pPr marL="502920" lvl="1" indent="0">
+              <a:buNone/>
+            </a:pPr>
+            <a:r>
+              <a:rPr lang="en-US" altLang="zh-CN" sz="2800" dirty="0"/>
+              <a:t>	</a:t>
+            </a:r>
+            <a:r>
+              <a:rPr lang="zh-CN" altLang="en-US" sz="2800" dirty="0"/>
+              <a:t>得到位姿之后下一步就是需要求得整体的移动轨迹，这里我们做的一个假设是相机就在一个平面内（光心坐标轴的</a:t>
+            </a:r>
+            <a:r>
+              <a:rPr lang="en-US" altLang="zh-CN" sz="2800" dirty="0" err="1"/>
+              <a:t>xz</a:t>
+            </a:r>
+            <a:r>
+              <a:rPr lang="zh-CN" altLang="en-US" sz="2800" dirty="0"/>
+              <a:t>平面上）移动，所以我们只需要求得相机的空间坐标，然后把</a:t>
+            </a:r>
+            <a:r>
+              <a:rPr lang="en-US" altLang="zh-CN" sz="2800" dirty="0" err="1"/>
+              <a:t>xz</a:t>
+            </a:r>
+            <a:r>
+              <a:rPr lang="zh-CN" altLang="en-US" sz="2800" dirty="0"/>
+              <a:t>坐标取出来就可以了。</a:t>
+            </a:r>
+            <a:endParaRPr lang="en-US" altLang="zh-CN" sz="2800" dirty="0"/>
+          </a:p>
+          <a:p>
+            <a:pPr marL="502920" lvl="1" indent="0">
+              <a:buNone/>
+            </a:pPr>
+            <a:r>
+              <a:rPr lang="en-US" altLang="zh-CN" sz="2800" dirty="0"/>
+              <a:t>	</a:t>
+            </a:r>
+            <a:r>
+              <a:rPr lang="zh-CN" altLang="en-US" sz="2800" dirty="0"/>
+              <a:t>空间坐标的计算方法是初始平移量加上位姿乘新的平移量，累加即可，不在此赘述。</a:t>
+            </a:r>
+            <a:endParaRPr lang="en-US" altLang="zh-CN" sz="2800" dirty="0"/>
+          </a:p>
+          <a:p>
+            <a:pPr marL="0" indent="0">
+              <a:buNone/>
+            </a:pPr>
+            <a:r>
+              <a:rPr lang="en-US" altLang="zh-CN" sz="3200" dirty="0"/>
+              <a:t>	</a:t>
+            </a:r>
+          </a:p>
+        </p:txBody>
+      </p:sp>
+      <p:sp>
+        <p:nvSpPr>
+          <p:cNvPr id="6" name="内容占位符 2">
+            <a:extLst>
+              <a:ext uri="{FF2B5EF4-FFF2-40B4-BE49-F238E27FC236}">
+                <a16:creationId xmlns:a16="http://schemas.microsoft.com/office/drawing/2014/main" id="{44406FD3-C779-42B0-ACF3-0150B9BA1B50}"/>
+              </a:ext>
+            </a:extLst>
+          </p:cNvPr>
+          <p:cNvSpPr txBox="1">
+            <a:spLocks/>
+          </p:cNvSpPr>
+          <p:nvPr/>
+        </p:nvSpPr>
+        <p:spPr>
+          <a:xfrm>
+            <a:off x="3822596" y="3666818"/>
+            <a:ext cx="7315199" cy="2425847"/>
+          </a:xfrm>
+          <a:prstGeom prst="rect">
+            <a:avLst/>
+          </a:prstGeom>
+        </p:spPr>
+        <p:txBody>
+          <a:bodyPr vert="horz" lIns="91440" tIns="45720" rIns="91440" bIns="45720" rtlCol="0" anchor="ctr">
+            <a:noAutofit/>
+          </a:bodyPr>
+          <a:lstStyle>
+            <a:lvl1pPr marL="182880" indent="-182880" algn="l" defTabSz="914400" rtl="0" eaLnBrk="1" latinLnBrk="0" hangingPunct="1">
+              <a:lnSpc>
+                <a:spcPct val="90000"/>
+              </a:lnSpc>
+              <a:spcBef>
+                <a:spcPts val="1200"/>
+              </a:spcBef>
+              <a:buClr>
+                <a:schemeClr val="accent1"/>
+              </a:buClr>
+              <a:buFont typeface="Wingdings 2" pitchFamily="18" charset="2"/>
+              <a:buChar char=""/>
+              <a:tabLst>
+                <a:tab pos="1143000" algn="l"/>
+              </a:tabLst>
+              <a:defRPr sz="2000" kern="1200">
+                <a:solidFill>
+                  <a:schemeClr val="bg2">
+                    <a:lumMod val="20000"/>
+                    <a:lumOff val="80000"/>
+                  </a:schemeClr>
+                </a:solidFill>
+                <a:latin typeface="+mn-lt"/>
+                <a:ea typeface="+mn-ea"/>
+                <a:cs typeface="+mn-cs"/>
+              </a:defRPr>
+            </a:lvl1pPr>
+            <a:lvl2pPr marL="685800" indent="-182880" algn="l" defTabSz="914400" rtl="0" eaLnBrk="1" latinLnBrk="0" hangingPunct="1">
+              <a:lnSpc>
+                <a:spcPct val="90000"/>
+              </a:lnSpc>
+              <a:spcBef>
+                <a:spcPts val="250"/>
+              </a:spcBef>
+              <a:spcAft>
+                <a:spcPts val="250"/>
+              </a:spcAft>
+              <a:buClr>
+                <a:schemeClr val="accent1"/>
+              </a:buClr>
+              <a:buFont typeface="Wingdings 2" pitchFamily="18" charset="2"/>
+              <a:buChar char=""/>
+              <a:tabLst>
+                <a:tab pos="1143000" algn="l"/>
+              </a:tabLst>
+              <a:defRPr sz="1800" kern="1200">
+                <a:solidFill>
+                  <a:schemeClr val="bg2">
+                    <a:lumMod val="20000"/>
+                    <a:lumOff val="80000"/>
+                  </a:schemeClr>
+                </a:solidFill>
+                <a:latin typeface="+mn-lt"/>
+                <a:ea typeface="+mn-ea"/>
+                <a:cs typeface="+mn-cs"/>
+              </a:defRPr>
+            </a:lvl2pPr>
+            <a:lvl3pPr marL="1143000" indent="-182880" algn="l" defTabSz="914400" rtl="0" eaLnBrk="1" latinLnBrk="0" hangingPunct="1">
+              <a:lnSpc>
+                <a:spcPct val="90000"/>
+              </a:lnSpc>
+              <a:spcBef>
+                <a:spcPts val="250"/>
+              </a:spcBef>
+              <a:spcAft>
+                <a:spcPts val="250"/>
+              </a:spcAft>
+              <a:buClr>
+                <a:schemeClr val="accent1"/>
+              </a:buClr>
+              <a:buFont typeface="Wingdings 2" pitchFamily="18" charset="2"/>
+              <a:buChar char=""/>
+              <a:tabLst>
+                <a:tab pos="1143000" algn="l"/>
+              </a:tabLst>
+              <a:defRPr sz="1600" kern="1200">
+                <a:solidFill>
+                  <a:schemeClr val="bg2">
+                    <a:lumMod val="20000"/>
+                    <a:lumOff val="80000"/>
+                  </a:schemeClr>
+                </a:solidFill>
+                <a:latin typeface="+mn-lt"/>
+                <a:ea typeface="+mn-ea"/>
+                <a:cs typeface="+mn-cs"/>
+              </a:defRPr>
+            </a:lvl3pPr>
+            <a:lvl4pPr marL="1600200" indent="-182880" algn="l" defTabSz="914400" rtl="0" eaLnBrk="1" latinLnBrk="0" hangingPunct="1">
+              <a:lnSpc>
+                <a:spcPct val="90000"/>
+              </a:lnSpc>
+              <a:spcBef>
+                <a:spcPts val="250"/>
+              </a:spcBef>
+              <a:spcAft>
+                <a:spcPts val="250"/>
+              </a:spcAft>
+              <a:buClr>
+                <a:schemeClr val="accent1"/>
+              </a:buClr>
+              <a:buFont typeface="Wingdings 2" pitchFamily="18" charset="2"/>
+              <a:buChar char=""/>
+              <a:tabLst>
+                <a:tab pos="1143000" algn="l"/>
+              </a:tabLst>
+              <a:defRPr sz="1400" kern="1200">
+                <a:solidFill>
+                  <a:schemeClr val="bg2">
+                    <a:lumMod val="20000"/>
+                    <a:lumOff val="80000"/>
+                  </a:schemeClr>
+                </a:solidFill>
+                <a:latin typeface="+mn-lt"/>
+                <a:ea typeface="+mn-ea"/>
+                <a:cs typeface="+mn-cs"/>
+              </a:defRPr>
+            </a:lvl4pPr>
+            <a:lvl5pPr marL="2057400" indent="-182880" algn="l" defTabSz="914400" rtl="0" eaLnBrk="1" latinLnBrk="0" hangingPunct="1">
+              <a:lnSpc>
+                <a:spcPct val="90000"/>
+              </a:lnSpc>
+              <a:spcBef>
+                <a:spcPts val="250"/>
+              </a:spcBef>
+              <a:spcAft>
+                <a:spcPts val="250"/>
+              </a:spcAft>
+              <a:buClr>
+                <a:schemeClr val="accent1"/>
+              </a:buClr>
+              <a:buFont typeface="Wingdings 2" pitchFamily="18" charset="2"/>
+              <a:buChar char=""/>
+              <a:tabLst>
+                <a:tab pos="1143000" algn="l"/>
+              </a:tabLst>
+              <a:defRPr sz="1400" kern="1200">
+                <a:solidFill>
+                  <a:schemeClr val="bg2">
+                    <a:lumMod val="20000"/>
+                    <a:lumOff val="80000"/>
+                  </a:schemeClr>
+                </a:solidFill>
+                <a:latin typeface="+mn-lt"/>
+                <a:ea typeface="+mn-ea"/>
+                <a:cs typeface="+mn-cs"/>
+              </a:defRPr>
+            </a:lvl5pPr>
+            <a:lvl6pPr marL="2514600" indent="-228600" algn="l" defTabSz="914400" rtl="0" eaLnBrk="1" latinLnBrk="0" hangingPunct="1">
+              <a:lnSpc>
+                <a:spcPct val="90000"/>
+              </a:lnSpc>
+              <a:spcBef>
+                <a:spcPts val="250"/>
+              </a:spcBef>
+              <a:spcAft>
+                <a:spcPts val="250"/>
+              </a:spcAft>
+              <a:buClr>
+                <a:schemeClr val="accent1"/>
+              </a:buClr>
+              <a:buFont typeface="Wingdings 2" pitchFamily="18" charset="2"/>
+              <a:buChar char=""/>
+              <a:tabLst>
+                <a:tab pos="1143000" algn="l"/>
+              </a:tabLst>
+              <a:defRPr sz="1400" kern="1200">
+                <a:solidFill>
+                  <a:schemeClr val="bg2">
+                    <a:lumMod val="20000"/>
+                    <a:lumOff val="80000"/>
+                  </a:schemeClr>
+                </a:solidFill>
+                <a:latin typeface="+mn-lt"/>
+                <a:ea typeface="+mn-ea"/>
+                <a:cs typeface="+mn-cs"/>
+              </a:defRPr>
+            </a:lvl6pPr>
+            <a:lvl7pPr marL="2971800" indent="-228600" algn="l" defTabSz="914400" rtl="0" eaLnBrk="1" latinLnBrk="0" hangingPunct="1">
+              <a:lnSpc>
+                <a:spcPct val="90000"/>
+              </a:lnSpc>
+              <a:spcBef>
+                <a:spcPts val="250"/>
+              </a:spcBef>
+              <a:spcAft>
+                <a:spcPts val="250"/>
+              </a:spcAft>
+              <a:buClr>
+                <a:schemeClr val="accent1"/>
+              </a:buClr>
+              <a:buFont typeface="Wingdings 2" pitchFamily="18" charset="2"/>
+              <a:buChar char=""/>
+              <a:tabLst>
+                <a:tab pos="1143000" algn="l"/>
+              </a:tabLst>
+              <a:defRPr sz="1400" kern="1200">
+                <a:solidFill>
+                  <a:schemeClr val="bg2">
+                    <a:lumMod val="20000"/>
+                    <a:lumOff val="80000"/>
+                  </a:schemeClr>
+                </a:solidFill>
+                <a:latin typeface="+mn-lt"/>
+                <a:ea typeface="+mn-ea"/>
+                <a:cs typeface="+mn-cs"/>
+              </a:defRPr>
+            </a:lvl7pPr>
+            <a:lvl8pPr marL="3429000" indent="-228600" algn="l" defTabSz="914400" rtl="0" eaLnBrk="1" latinLnBrk="0" hangingPunct="1">
+              <a:lnSpc>
+                <a:spcPct val="90000"/>
+              </a:lnSpc>
+              <a:spcBef>
+                <a:spcPts val="250"/>
+              </a:spcBef>
+              <a:spcAft>
+                <a:spcPts val="250"/>
+              </a:spcAft>
+              <a:buClr>
+                <a:schemeClr val="accent1"/>
+              </a:buClr>
+              <a:buFont typeface="Wingdings 2" pitchFamily="18" charset="2"/>
+              <a:buChar char=""/>
+              <a:tabLst>
+                <a:tab pos="1143000" algn="l"/>
+              </a:tabLst>
+              <a:defRPr sz="1400" kern="1200">
+                <a:solidFill>
+                  <a:schemeClr val="bg2">
+                    <a:lumMod val="20000"/>
+                    <a:lumOff val="80000"/>
+                  </a:schemeClr>
+                </a:solidFill>
+                <a:latin typeface="+mn-lt"/>
+                <a:ea typeface="+mn-ea"/>
+                <a:cs typeface="+mn-cs"/>
+              </a:defRPr>
+            </a:lvl8pPr>
+            <a:lvl9pPr marL="3886200" indent="-228600" algn="l" defTabSz="914400" rtl="0" eaLnBrk="1" latinLnBrk="0" hangingPunct="1">
+              <a:lnSpc>
+                <a:spcPct val="90000"/>
+              </a:lnSpc>
+              <a:spcBef>
+                <a:spcPts val="250"/>
+              </a:spcBef>
+              <a:spcAft>
+                <a:spcPts val="250"/>
+              </a:spcAft>
+              <a:buClr>
+                <a:schemeClr val="accent1"/>
+              </a:buClr>
+              <a:buFont typeface="Wingdings 2" pitchFamily="18" charset="2"/>
+              <a:buChar char=""/>
+              <a:tabLst>
+                <a:tab pos="1143000" algn="l"/>
+              </a:tabLst>
+              <a:defRPr sz="1400" kern="1200">
+                <a:solidFill>
+                  <a:schemeClr val="bg2">
+                    <a:lumMod val="20000"/>
+                    <a:lumOff val="80000"/>
+                  </a:schemeClr>
+                </a:solidFill>
+                <a:latin typeface="+mn-lt"/>
+                <a:ea typeface="+mn-ea"/>
+                <a:cs typeface="+mn-cs"/>
+              </a:defRPr>
+            </a:lvl9pPr>
+          </a:lstStyle>
+          <a:p>
+            <a:pPr marL="0" indent="0">
+              <a:buNone/>
+            </a:pPr>
+            <a:r>
+              <a:rPr lang="en-US" altLang="zh-CN" sz="2800" dirty="0"/>
+              <a:t>	</a:t>
+            </a:r>
+          </a:p>
+        </p:txBody>
+      </p:sp>
+    </p:spTree>
+    <p:extLst>
+      <p:ext uri="{BB962C8B-B14F-4D97-AF65-F5344CB8AC3E}">
+        <p14:creationId xmlns:p14="http://schemas.microsoft.com/office/powerpoint/2010/main" val="1046007856"/>
+      </p:ext>
+    </p:extLst>
+  </p:cSld>
+  <p:clrMapOvr>
+    <a:masterClrMapping/>
+  </p:clrMapOvr>
+</p:sld>
+</file>
+
+<file path=ppt/slides/slide11.xml><?xml version="1.0" encoding="utf-8"?>
+<p:sld xmlns:a="http://schemas.openxmlformats.org/drawingml/2006/main" xmlns:r="http://schemas.openxmlformats.org/officeDocument/2006/relationships" xmlns:p="http://schemas.openxmlformats.org/presentationml/2006/main">
+  <p:cSld>
+    <p:spTree>
+      <p:nvGrpSpPr>
+        <p:cNvPr id="1" name=""/>
+        <p:cNvGrpSpPr/>
+        <p:nvPr/>
+      </p:nvGrpSpPr>
+      <p:grpSpPr>
+        <a:xfrm>
+          <a:off x="0" y="0"/>
+          <a:ext cx="0" cy="0"/>
+          <a:chOff x="0" y="0"/>
+          <a:chExt cx="0" cy="0"/>
+        </a:xfrm>
+      </p:grpSpPr>
+      <p:sp>
+        <p:nvSpPr>
+          <p:cNvPr id="2" name="标题 1">
+            <a:extLst>
+              <a:ext uri="{FF2B5EF4-FFF2-40B4-BE49-F238E27FC236}">
+                <a16:creationId xmlns:a16="http://schemas.microsoft.com/office/drawing/2014/main" id="{7AED85FD-0685-407F-8FB9-8E97DD718062}"/>
+              </a:ext>
+            </a:extLst>
+          </p:cNvPr>
+          <p:cNvSpPr>
+            <a:spLocks noGrp="1"/>
+          </p:cNvSpPr>
+          <p:nvPr>
+            <p:ph type="title"/>
+          </p:nvPr>
+        </p:nvSpPr>
+        <p:spPr/>
+        <p:txBody>
+          <a:bodyPr/>
+          <a:lstStyle/>
+          <a:p>
+            <a:r>
+              <a:rPr lang="zh-CN" altLang="en-US" dirty="0"/>
+              <a:t>项目成果</a:t>
+            </a:r>
+          </a:p>
+        </p:txBody>
+      </p:sp>
+      <p:sp>
+        <p:nvSpPr>
+          <p:cNvPr id="3" name="内容占位符 2">
+            <a:extLst>
+              <a:ext uri="{FF2B5EF4-FFF2-40B4-BE49-F238E27FC236}">
+                <a16:creationId xmlns:a16="http://schemas.microsoft.com/office/drawing/2014/main" id="{4FA96CFD-4A04-469A-99D3-76DAA70D7FA3}"/>
+              </a:ext>
+            </a:extLst>
+          </p:cNvPr>
+          <p:cNvSpPr>
+            <a:spLocks noGrp="1"/>
+          </p:cNvSpPr>
+          <p:nvPr>
+            <p:ph idx="1"/>
+          </p:nvPr>
+        </p:nvSpPr>
+        <p:spPr/>
+        <p:txBody>
+          <a:bodyPr>
+            <a:normAutofit/>
+          </a:bodyPr>
+          <a:lstStyle/>
+          <a:p>
+            <a:r>
+              <a:rPr lang="zh-CN" altLang="en-US" sz="3200" dirty="0"/>
+              <a:t>现场展示代码运行的结果</a:t>
+            </a:r>
+          </a:p>
+        </p:txBody>
+      </p:sp>
+    </p:spTree>
+    <p:extLst>
+      <p:ext uri="{BB962C8B-B14F-4D97-AF65-F5344CB8AC3E}">
+        <p14:creationId xmlns:p14="http://schemas.microsoft.com/office/powerpoint/2010/main" val="3358260942"/>
+      </p:ext>
+    </p:extLst>
+  </p:cSld>
+  <p:clrMapOvr>
+    <a:masterClrMapping/>
+  </p:clrMapOvr>
+</p:sld>
+</file>
+
+<file path=ppt/slides/slide12.xml><?xml version="1.0" encoding="utf-8"?>
+<p:sld xmlns:a="http://schemas.openxmlformats.org/drawingml/2006/main" xmlns:r="http://schemas.openxmlformats.org/officeDocument/2006/relationships" xmlns:p="http://schemas.openxmlformats.org/presentationml/2006/main">
+  <p:cSld>
+    <p:spTree>
+      <p:nvGrpSpPr>
+        <p:cNvPr id="1" name=""/>
+        <p:cNvGrpSpPr/>
+        <p:nvPr/>
+      </p:nvGrpSpPr>
+      <p:grpSpPr>
+        <a:xfrm>
+          <a:off x="0" y="0"/>
+          <a:ext cx="0" cy="0"/>
+          <a:chOff x="0" y="0"/>
+          <a:chExt cx="0" cy="0"/>
+        </a:xfrm>
+      </p:grpSpPr>
+      <p:sp>
+        <p:nvSpPr>
+          <p:cNvPr id="2" name="标题 1">
+            <a:extLst>
+              <a:ext uri="{FF2B5EF4-FFF2-40B4-BE49-F238E27FC236}">
                 <a16:creationId xmlns:a16="http://schemas.microsoft.com/office/drawing/2014/main" id="{593597B8-36BC-4028-9EE7-2E4271DD6AD8}"/>
               </a:ext>
             </a:extLst>
@@ -3674,7 +4574,7 @@
 </p:sld>
 </file>
 
-<file path=ppt/slides/slide11.xml><?xml version="1.0" encoding="utf-8"?>
+<file path=ppt/slides/slide13.xml><?xml version="1.0" encoding="utf-8"?>
 <p:sld xmlns:a="http://schemas.openxmlformats.org/drawingml/2006/main" xmlns:r="http://schemas.openxmlformats.org/officeDocument/2006/relationships" xmlns:p="http://schemas.openxmlformats.org/presentationml/2006/main">
   <p:cSld>
     <p:spTree>
@@ -3930,6 +4830,243 @@
 </file>
 
 <file path=ppt/slides/slide3.xml><?xml version="1.0" encoding="utf-8"?>
+<p:sld xmlns:a="http://schemas.openxmlformats.org/drawingml/2006/main" xmlns:r="http://schemas.openxmlformats.org/officeDocument/2006/relationships" xmlns:p="http://schemas.openxmlformats.org/presentationml/2006/main">
+  <p:cSld>
+    <p:spTree>
+      <p:nvGrpSpPr>
+        <p:cNvPr id="1" name=""/>
+        <p:cNvGrpSpPr/>
+        <p:nvPr/>
+      </p:nvGrpSpPr>
+      <p:grpSpPr>
+        <a:xfrm>
+          <a:off x="0" y="0"/>
+          <a:ext cx="0" cy="0"/>
+          <a:chOff x="0" y="0"/>
+          <a:chExt cx="0" cy="0"/>
+        </a:xfrm>
+      </p:grpSpPr>
+      <p:sp>
+        <p:nvSpPr>
+          <p:cNvPr id="2" name="标题 1">
+            <a:extLst>
+              <a:ext uri="{FF2B5EF4-FFF2-40B4-BE49-F238E27FC236}">
+                <a16:creationId xmlns:a16="http://schemas.microsoft.com/office/drawing/2014/main" id="{34511392-07B4-4E91-8993-957487EF23CD}"/>
+              </a:ext>
+            </a:extLst>
+          </p:cNvPr>
+          <p:cNvSpPr>
+            <a:spLocks noGrp="1"/>
+          </p:cNvSpPr>
+          <p:nvPr>
+            <p:ph type="title"/>
+          </p:nvPr>
+        </p:nvSpPr>
+        <p:spPr/>
+        <p:txBody>
+          <a:bodyPr/>
+          <a:lstStyle/>
+          <a:p>
+            <a:r>
+              <a:rPr lang="zh-CN" altLang="en-US" dirty="0"/>
+              <a:t>项目简介</a:t>
+            </a:r>
+          </a:p>
+        </p:txBody>
+      </p:sp>
+      <p:sp>
+        <p:nvSpPr>
+          <p:cNvPr id="3" name="内容占位符 2">
+            <a:extLst>
+              <a:ext uri="{FF2B5EF4-FFF2-40B4-BE49-F238E27FC236}">
+                <a16:creationId xmlns:a16="http://schemas.microsoft.com/office/drawing/2014/main" id="{B6F0765B-AE37-408F-BFAB-6FAA67C89852}"/>
+              </a:ext>
+            </a:extLst>
+          </p:cNvPr>
+          <p:cNvSpPr>
+            <a:spLocks noGrp="1"/>
+          </p:cNvSpPr>
+          <p:nvPr>
+            <p:ph idx="1"/>
+          </p:nvPr>
+        </p:nvSpPr>
+        <p:spPr>
+          <a:xfrm>
+            <a:off x="3921584" y="585912"/>
+            <a:ext cx="7315200" cy="5139107"/>
+          </a:xfrm>
+        </p:spPr>
+        <p:txBody>
+          <a:bodyPr>
+            <a:normAutofit/>
+          </a:bodyPr>
+          <a:lstStyle/>
+          <a:p>
+            <a:r>
+              <a:rPr lang="zh-CN" altLang="en-US" sz="2800" dirty="0"/>
+              <a:t>	基于视觉的目标定位是近年来发展起来的一种定位方法</a:t>
+            </a:r>
+            <a:r>
+              <a:rPr lang="en-US" altLang="zh-CN" sz="2800" dirty="0"/>
+              <a:t>,</a:t>
+            </a:r>
+            <a:r>
+              <a:rPr lang="zh-CN" altLang="en-US" sz="2800" dirty="0"/>
+              <a:t>其是利用视觉传感器获取物体图像</a:t>
+            </a:r>
+            <a:r>
+              <a:rPr lang="en-US" altLang="zh-CN" sz="2800" dirty="0"/>
+              <a:t>,</a:t>
+            </a:r>
+            <a:r>
+              <a:rPr lang="zh-CN" altLang="en-US" sz="2800" dirty="0"/>
+              <a:t>然后用计算机进行图像处理</a:t>
+            </a:r>
+            <a:r>
+              <a:rPr lang="en-US" altLang="zh-CN" sz="2800" dirty="0"/>
+              <a:t>,</a:t>
+            </a:r>
+            <a:r>
+              <a:rPr lang="zh-CN" altLang="en-US" sz="2800" dirty="0"/>
+              <a:t>进而获得物体的位置信息。本项目是基于相邻帧图像之间的特征点匹配设计的，通过计算相邻点之间的变换关系，由此可以解出相机在两帧间变换的单应矩阵，由该矩阵可以将一帧冲投影到另一帧，再根据平均平面距离算得前后两帧的移动方向。	</a:t>
+            </a:r>
+          </a:p>
+        </p:txBody>
+      </p:sp>
+    </p:spTree>
+    <p:extLst>
+      <p:ext uri="{BB962C8B-B14F-4D97-AF65-F5344CB8AC3E}">
+        <p14:creationId xmlns:p14="http://schemas.microsoft.com/office/powerpoint/2010/main" val="831217803"/>
+      </p:ext>
+    </p:extLst>
+  </p:cSld>
+  <p:clrMapOvr>
+    <a:masterClrMapping/>
+  </p:clrMapOvr>
+</p:sld>
+</file>
+
+<file path=ppt/slides/slide4.xml><?xml version="1.0" encoding="utf-8"?>
+<p:sld xmlns:a="http://schemas.openxmlformats.org/drawingml/2006/main" xmlns:r="http://schemas.openxmlformats.org/officeDocument/2006/relationships" xmlns:p="http://schemas.openxmlformats.org/presentationml/2006/main">
+  <p:cSld>
+    <p:spTree>
+      <p:nvGrpSpPr>
+        <p:cNvPr id="1" name=""/>
+        <p:cNvGrpSpPr/>
+        <p:nvPr/>
+      </p:nvGrpSpPr>
+      <p:grpSpPr>
+        <a:xfrm>
+          <a:off x="0" y="0"/>
+          <a:ext cx="0" cy="0"/>
+          <a:chOff x="0" y="0"/>
+          <a:chExt cx="0" cy="0"/>
+        </a:xfrm>
+      </p:grpSpPr>
+      <p:sp>
+        <p:nvSpPr>
+          <p:cNvPr id="2" name="标题 1">
+            <a:extLst>
+              <a:ext uri="{FF2B5EF4-FFF2-40B4-BE49-F238E27FC236}">
+                <a16:creationId xmlns:a16="http://schemas.microsoft.com/office/drawing/2014/main" id="{539F0A46-9657-475A-8FC2-E4F5C846BC3B}"/>
+              </a:ext>
+            </a:extLst>
+          </p:cNvPr>
+          <p:cNvSpPr>
+            <a:spLocks noGrp="1"/>
+          </p:cNvSpPr>
+          <p:nvPr>
+            <p:ph type="title"/>
+          </p:nvPr>
+        </p:nvSpPr>
+        <p:spPr/>
+        <p:txBody>
+          <a:bodyPr/>
+          <a:lstStyle/>
+          <a:p>
+            <a:r>
+              <a:rPr lang="zh-CN" altLang="en-US" dirty="0"/>
+              <a:t>项目简介</a:t>
+            </a:r>
+          </a:p>
+        </p:txBody>
+      </p:sp>
+      <p:pic>
+        <p:nvPicPr>
+          <p:cNvPr id="4" name="图片 1">
+            <a:extLst>
+              <a:ext uri="{FF2B5EF4-FFF2-40B4-BE49-F238E27FC236}">
+                <a16:creationId xmlns:a16="http://schemas.microsoft.com/office/drawing/2014/main" id="{B3A51F90-6E0E-485B-B25A-9B77B5C1F4B2}"/>
+              </a:ext>
+            </a:extLst>
+          </p:cNvPr>
+          <p:cNvPicPr>
+            <a:picLocks noGrp="1" noChangeAspect="1" noChangeArrowheads="1"/>
+          </p:cNvPicPr>
+          <p:nvPr>
+            <p:ph idx="1"/>
+          </p:nvPr>
+        </p:nvPicPr>
+        <p:blipFill>
+          <a:blip r:embed="rId2">
+            <a:extLst>
+              <a:ext uri="{28A0092B-C50C-407E-A947-70E740481C1C}">
+                <a14:useLocalDpi xmlns:a14="http://schemas.microsoft.com/office/drawing/2010/main" val="0"/>
+              </a:ext>
+            </a:extLst>
+          </a:blip>
+          <a:srcRect/>
+          <a:stretch>
+            <a:fillRect/>
+          </a:stretch>
+        </p:blipFill>
+        <p:spPr bwMode="auto">
+          <a:xfrm>
+            <a:off x="3540415" y="852462"/>
+            <a:ext cx="7729615" cy="5153076"/>
+          </a:xfrm>
+          <a:prstGeom prst="rect">
+            <a:avLst/>
+          </a:prstGeom>
+          <a:noFill/>
+          <a:ln>
+            <a:noFill/>
+          </a:ln>
+          <a:extLst>
+            <a:ext uri="{909E8E84-426E-40DD-AFC4-6F175D3DCCD1}">
+              <a14:hiddenFill xmlns:a14="http://schemas.microsoft.com/office/drawing/2010/main">
+                <a:solidFill>
+                  <a:srgbClr val="FFFFFF"/>
+                </a:solidFill>
+              </a14:hiddenFill>
+            </a:ext>
+            <a:ext uri="{91240B29-F687-4F45-9708-019B960494DF}">
+              <a14:hiddenLine xmlns:a14="http://schemas.microsoft.com/office/drawing/2010/main" w="9525">
+                <a:solidFill>
+                  <a:srgbClr val="000000"/>
+                </a:solidFill>
+                <a:miter lim="800000"/>
+                <a:headEnd/>
+                <a:tailEnd/>
+              </a14:hiddenLine>
+            </a:ext>
+          </a:extLst>
+        </p:spPr>
+      </p:pic>
+    </p:spTree>
+    <p:extLst>
+      <p:ext uri="{BB962C8B-B14F-4D97-AF65-F5344CB8AC3E}">
+        <p14:creationId xmlns:p14="http://schemas.microsoft.com/office/powerpoint/2010/main" val="3778229462"/>
+      </p:ext>
+    </p:extLst>
+  </p:cSld>
+  <p:clrMapOvr>
+    <a:masterClrMapping/>
+  </p:clrMapOvr>
+</p:sld>
+</file>
+
+<file path=ppt/slides/slide5.xml><?xml version="1.0" encoding="utf-8"?>
 <p:sld xmlns:a="http://schemas.openxmlformats.org/drawingml/2006/main" xmlns:r="http://schemas.openxmlformats.org/officeDocument/2006/relationships" xmlns:p="http://schemas.openxmlformats.org/presentationml/2006/main">
   <p:cSld>
     <p:spTree>
@@ -4698,7 +5835,7 @@
     </p:spTree>
     <p:extLst>
       <p:ext uri="{BB962C8B-B14F-4D97-AF65-F5344CB8AC3E}">
-        <p14:creationId xmlns:p14="http://schemas.microsoft.com/office/powerpoint/2010/main" val="831217803"/>
+        <p14:creationId xmlns:p14="http://schemas.microsoft.com/office/powerpoint/2010/main" val="1337138095"/>
       </p:ext>
     </p:extLst>
   </p:cSld>
@@ -4708,7 +5845,7 @@
 </p:sld>
 </file>
 
-<file path=ppt/slides/slide4.xml><?xml version="1.0" encoding="utf-8"?>
+<file path=ppt/slides/slide6.xml><?xml version="1.0" encoding="utf-8"?>
 <p:sld xmlns:a="http://schemas.openxmlformats.org/drawingml/2006/main" xmlns:r="http://schemas.openxmlformats.org/officeDocument/2006/relationships" xmlns:p="http://schemas.openxmlformats.org/presentationml/2006/main">
   <p:cSld>
     <p:spTree>
@@ -4823,7 +5960,7 @@
 </p:sld>
 </file>
 
-<file path=ppt/slides/slide5.xml><?xml version="1.0" encoding="utf-8"?>
+<file path=ppt/slides/slide7.xml><?xml version="1.0" encoding="utf-8"?>
 <p:sld xmlns:a="http://schemas.openxmlformats.org/drawingml/2006/main" xmlns:r="http://schemas.openxmlformats.org/officeDocument/2006/relationships" xmlns:p="http://schemas.openxmlformats.org/presentationml/2006/main">
   <p:cSld>
     <p:spTree>
@@ -5328,7 +6465,7 @@
 </p:sld>
 </file>
 
-<file path=ppt/slides/slide6.xml><?xml version="1.0" encoding="utf-8"?>
+<file path=ppt/slides/slide8.xml><?xml version="1.0" encoding="utf-8"?>
 <p:sld xmlns:a="http://schemas.openxmlformats.org/drawingml/2006/main" xmlns:r="http://schemas.openxmlformats.org/officeDocument/2006/relationships" xmlns:p="http://schemas.openxmlformats.org/presentationml/2006/main">
   <p:cSld>
     <p:spTree>
@@ -5777,7 +6914,7 @@
 </p:sld>
 </file>
 
-<file path=ppt/slides/slide7.xml><?xml version="1.0" encoding="utf-8"?>
+<file path=ppt/slides/slide9.xml><?xml version="1.0" encoding="utf-8"?>
 <p:sld xmlns:a="http://schemas.openxmlformats.org/drawingml/2006/main" xmlns:r="http://schemas.openxmlformats.org/officeDocument/2006/relationships" xmlns:p="http://schemas.openxmlformats.org/presentationml/2006/main">
   <p:cSld>
     <p:spTree>
@@ -6221,552 +7358,6 @@
     <p:extLst>
       <p:ext uri="{BB962C8B-B14F-4D97-AF65-F5344CB8AC3E}">
         <p14:creationId xmlns:p14="http://schemas.microsoft.com/office/powerpoint/2010/main" val="2245956954"/>
-      </p:ext>
-    </p:extLst>
-  </p:cSld>
-  <p:clrMapOvr>
-    <a:masterClrMapping/>
-  </p:clrMapOvr>
-</p:sld>
-</file>
-
-<file path=ppt/slides/slide8.xml><?xml version="1.0" encoding="utf-8"?>
-<p:sld xmlns:a="http://schemas.openxmlformats.org/drawingml/2006/main" xmlns:r="http://schemas.openxmlformats.org/officeDocument/2006/relationships" xmlns:p="http://schemas.openxmlformats.org/presentationml/2006/main">
-  <p:cSld>
-    <p:spTree>
-      <p:nvGrpSpPr>
-        <p:cNvPr id="1" name=""/>
-        <p:cNvGrpSpPr/>
-        <p:nvPr/>
-      </p:nvGrpSpPr>
-      <p:grpSpPr>
-        <a:xfrm>
-          <a:off x="0" y="0"/>
-          <a:ext cx="0" cy="0"/>
-          <a:chOff x="0" y="0"/>
-          <a:chExt cx="0" cy="0"/>
-        </a:xfrm>
-      </p:grpSpPr>
-      <p:sp>
-        <p:nvSpPr>
-          <p:cNvPr id="2" name="标题 1">
-            <a:extLst>
-              <a:ext uri="{FF2B5EF4-FFF2-40B4-BE49-F238E27FC236}">
-                <a16:creationId xmlns:a16="http://schemas.microsoft.com/office/drawing/2014/main" id="{0FF03F54-CD7E-467D-900C-AC27D61ABFC8}"/>
-              </a:ext>
-            </a:extLst>
-          </p:cNvPr>
-          <p:cNvSpPr>
-            <a:spLocks noGrp="1"/>
-          </p:cNvSpPr>
-          <p:nvPr>
-            <p:ph type="title"/>
-          </p:nvPr>
-        </p:nvSpPr>
-        <p:spPr/>
-        <p:txBody>
-          <a:bodyPr/>
-          <a:lstStyle/>
-          <a:p>
-            <a:r>
-              <a:rPr lang="zh-CN" altLang="en-US" dirty="0"/>
-              <a:t>代码流程</a:t>
-            </a:r>
-          </a:p>
-        </p:txBody>
-      </p:sp>
-      <p:sp>
-        <p:nvSpPr>
-          <p:cNvPr id="3" name="内容占位符 2">
-            <a:extLst>
-              <a:ext uri="{FF2B5EF4-FFF2-40B4-BE49-F238E27FC236}">
-                <a16:creationId xmlns:a16="http://schemas.microsoft.com/office/drawing/2014/main" id="{F7BBF9D1-57A8-4649-B478-4713D3613F90}"/>
-              </a:ext>
-            </a:extLst>
-          </p:cNvPr>
-          <p:cNvSpPr>
-            <a:spLocks noGrp="1"/>
-          </p:cNvSpPr>
-          <p:nvPr>
-            <p:ph idx="1"/>
-          </p:nvPr>
-        </p:nvSpPr>
-        <p:spPr>
-          <a:xfrm>
-            <a:off x="3822596" y="1126651"/>
-            <a:ext cx="7315200" cy="4680260"/>
-          </a:xfrm>
-        </p:spPr>
-        <p:txBody>
-          <a:bodyPr>
-            <a:noAutofit/>
-          </a:bodyPr>
-          <a:lstStyle/>
-          <a:p>
-            <a:r>
-              <a:rPr lang="en-US" altLang="zh-CN" sz="3200" dirty="0"/>
-              <a:t>4. </a:t>
-            </a:r>
-            <a:r>
-              <a:rPr lang="zh-CN" altLang="en-US" sz="3200" dirty="0"/>
-              <a:t>求解轨迹</a:t>
-            </a:r>
-            <a:endParaRPr lang="en-US" altLang="zh-CN" sz="3200" dirty="0"/>
-          </a:p>
-          <a:p>
-            <a:pPr marL="502920" lvl="1" indent="0">
-              <a:buNone/>
-            </a:pPr>
-            <a:r>
-              <a:rPr lang="en-US" altLang="zh-CN" sz="2800" dirty="0"/>
-              <a:t>	</a:t>
-            </a:r>
-            <a:r>
-              <a:rPr lang="zh-CN" altLang="en-US" sz="2800" dirty="0"/>
-              <a:t>得到位姿之后下一步就是需要求得整体的移动轨迹，这里我们做的一个假设是相机就在一个平面内（光心坐标轴的</a:t>
-            </a:r>
-            <a:r>
-              <a:rPr lang="en-US" altLang="zh-CN" sz="2800" dirty="0" err="1"/>
-              <a:t>xz</a:t>
-            </a:r>
-            <a:r>
-              <a:rPr lang="zh-CN" altLang="en-US" sz="2800" dirty="0"/>
-              <a:t>平面上）移动，所以我们只需要求得相机的空间坐标，然后把</a:t>
-            </a:r>
-            <a:r>
-              <a:rPr lang="en-US" altLang="zh-CN" sz="2800" dirty="0" err="1"/>
-              <a:t>xz</a:t>
-            </a:r>
-            <a:r>
-              <a:rPr lang="zh-CN" altLang="en-US" sz="2800" dirty="0"/>
-              <a:t>坐标取出来就可以了。</a:t>
-            </a:r>
-            <a:endParaRPr lang="en-US" altLang="zh-CN" sz="2800" dirty="0"/>
-          </a:p>
-          <a:p>
-            <a:pPr marL="502920" lvl="1" indent="0">
-              <a:buNone/>
-            </a:pPr>
-            <a:r>
-              <a:rPr lang="en-US" altLang="zh-CN" sz="2800" dirty="0"/>
-              <a:t>	</a:t>
-            </a:r>
-            <a:r>
-              <a:rPr lang="zh-CN" altLang="en-US" sz="2800" dirty="0"/>
-              <a:t>空间坐标的计算方法是初始平移量加上位姿乘新的平移量，累加即可，不在此赘述。</a:t>
-            </a:r>
-            <a:endParaRPr lang="en-US" altLang="zh-CN" sz="2800" dirty="0"/>
-          </a:p>
-          <a:p>
-            <a:pPr marL="0" indent="0">
-              <a:buNone/>
-            </a:pPr>
-            <a:r>
-              <a:rPr lang="en-US" altLang="zh-CN" sz="3200" dirty="0"/>
-              <a:t>	</a:t>
-            </a:r>
-          </a:p>
-        </p:txBody>
-      </p:sp>
-      <p:sp>
-        <p:nvSpPr>
-          <p:cNvPr id="6" name="内容占位符 2">
-            <a:extLst>
-              <a:ext uri="{FF2B5EF4-FFF2-40B4-BE49-F238E27FC236}">
-                <a16:creationId xmlns:a16="http://schemas.microsoft.com/office/drawing/2014/main" id="{44406FD3-C779-42B0-ACF3-0150B9BA1B50}"/>
-              </a:ext>
-            </a:extLst>
-          </p:cNvPr>
-          <p:cNvSpPr txBox="1">
-            <a:spLocks/>
-          </p:cNvSpPr>
-          <p:nvPr/>
-        </p:nvSpPr>
-        <p:spPr>
-          <a:xfrm>
-            <a:off x="3822596" y="3666818"/>
-            <a:ext cx="7315199" cy="2425847"/>
-          </a:xfrm>
-          <a:prstGeom prst="rect">
-            <a:avLst/>
-          </a:prstGeom>
-        </p:spPr>
-        <p:txBody>
-          <a:bodyPr vert="horz" lIns="91440" tIns="45720" rIns="91440" bIns="45720" rtlCol="0" anchor="ctr">
-            <a:noAutofit/>
-          </a:bodyPr>
-          <a:lstStyle>
-            <a:lvl1pPr marL="182880" indent="-182880" algn="l" defTabSz="914400" rtl="0" eaLnBrk="1" latinLnBrk="0" hangingPunct="1">
-              <a:lnSpc>
-                <a:spcPct val="90000"/>
-              </a:lnSpc>
-              <a:spcBef>
-                <a:spcPts val="1200"/>
-              </a:spcBef>
-              <a:buClr>
-                <a:schemeClr val="accent1"/>
-              </a:buClr>
-              <a:buFont typeface="Wingdings 2" pitchFamily="18" charset="2"/>
-              <a:buChar char=""/>
-              <a:tabLst>
-                <a:tab pos="1143000" algn="l"/>
-              </a:tabLst>
-              <a:defRPr sz="2000" kern="1200">
-                <a:solidFill>
-                  <a:schemeClr val="bg2">
-                    <a:lumMod val="20000"/>
-                    <a:lumOff val="80000"/>
-                  </a:schemeClr>
-                </a:solidFill>
-                <a:latin typeface="+mn-lt"/>
-                <a:ea typeface="+mn-ea"/>
-                <a:cs typeface="+mn-cs"/>
-              </a:defRPr>
-            </a:lvl1pPr>
-            <a:lvl2pPr marL="685800" indent="-182880" algn="l" defTabSz="914400" rtl="0" eaLnBrk="1" latinLnBrk="0" hangingPunct="1">
-              <a:lnSpc>
-                <a:spcPct val="90000"/>
-              </a:lnSpc>
-              <a:spcBef>
-                <a:spcPts val="250"/>
-              </a:spcBef>
-              <a:spcAft>
-                <a:spcPts val="250"/>
-              </a:spcAft>
-              <a:buClr>
-                <a:schemeClr val="accent1"/>
-              </a:buClr>
-              <a:buFont typeface="Wingdings 2" pitchFamily="18" charset="2"/>
-              <a:buChar char=""/>
-              <a:tabLst>
-                <a:tab pos="1143000" algn="l"/>
-              </a:tabLst>
-              <a:defRPr sz="1800" kern="1200">
-                <a:solidFill>
-                  <a:schemeClr val="bg2">
-                    <a:lumMod val="20000"/>
-                    <a:lumOff val="80000"/>
-                  </a:schemeClr>
-                </a:solidFill>
-                <a:latin typeface="+mn-lt"/>
-                <a:ea typeface="+mn-ea"/>
-                <a:cs typeface="+mn-cs"/>
-              </a:defRPr>
-            </a:lvl2pPr>
-            <a:lvl3pPr marL="1143000" indent="-182880" algn="l" defTabSz="914400" rtl="0" eaLnBrk="1" latinLnBrk="0" hangingPunct="1">
-              <a:lnSpc>
-                <a:spcPct val="90000"/>
-              </a:lnSpc>
-              <a:spcBef>
-                <a:spcPts val="250"/>
-              </a:spcBef>
-              <a:spcAft>
-                <a:spcPts val="250"/>
-              </a:spcAft>
-              <a:buClr>
-                <a:schemeClr val="accent1"/>
-              </a:buClr>
-              <a:buFont typeface="Wingdings 2" pitchFamily="18" charset="2"/>
-              <a:buChar char=""/>
-              <a:tabLst>
-                <a:tab pos="1143000" algn="l"/>
-              </a:tabLst>
-              <a:defRPr sz="1600" kern="1200">
-                <a:solidFill>
-                  <a:schemeClr val="bg2">
-                    <a:lumMod val="20000"/>
-                    <a:lumOff val="80000"/>
-                  </a:schemeClr>
-                </a:solidFill>
-                <a:latin typeface="+mn-lt"/>
-                <a:ea typeface="+mn-ea"/>
-                <a:cs typeface="+mn-cs"/>
-              </a:defRPr>
-            </a:lvl3pPr>
-            <a:lvl4pPr marL="1600200" indent="-182880" algn="l" defTabSz="914400" rtl="0" eaLnBrk="1" latinLnBrk="0" hangingPunct="1">
-              <a:lnSpc>
-                <a:spcPct val="90000"/>
-              </a:lnSpc>
-              <a:spcBef>
-                <a:spcPts val="250"/>
-              </a:spcBef>
-              <a:spcAft>
-                <a:spcPts val="250"/>
-              </a:spcAft>
-              <a:buClr>
-                <a:schemeClr val="accent1"/>
-              </a:buClr>
-              <a:buFont typeface="Wingdings 2" pitchFamily="18" charset="2"/>
-              <a:buChar char=""/>
-              <a:tabLst>
-                <a:tab pos="1143000" algn="l"/>
-              </a:tabLst>
-              <a:defRPr sz="1400" kern="1200">
-                <a:solidFill>
-                  <a:schemeClr val="bg2">
-                    <a:lumMod val="20000"/>
-                    <a:lumOff val="80000"/>
-                  </a:schemeClr>
-                </a:solidFill>
-                <a:latin typeface="+mn-lt"/>
-                <a:ea typeface="+mn-ea"/>
-                <a:cs typeface="+mn-cs"/>
-              </a:defRPr>
-            </a:lvl4pPr>
-            <a:lvl5pPr marL="2057400" indent="-182880" algn="l" defTabSz="914400" rtl="0" eaLnBrk="1" latinLnBrk="0" hangingPunct="1">
-              <a:lnSpc>
-                <a:spcPct val="90000"/>
-              </a:lnSpc>
-              <a:spcBef>
-                <a:spcPts val="250"/>
-              </a:spcBef>
-              <a:spcAft>
-                <a:spcPts val="250"/>
-              </a:spcAft>
-              <a:buClr>
-                <a:schemeClr val="accent1"/>
-              </a:buClr>
-              <a:buFont typeface="Wingdings 2" pitchFamily="18" charset="2"/>
-              <a:buChar char=""/>
-              <a:tabLst>
-                <a:tab pos="1143000" algn="l"/>
-              </a:tabLst>
-              <a:defRPr sz="1400" kern="1200">
-                <a:solidFill>
-                  <a:schemeClr val="bg2">
-                    <a:lumMod val="20000"/>
-                    <a:lumOff val="80000"/>
-                  </a:schemeClr>
-                </a:solidFill>
-                <a:latin typeface="+mn-lt"/>
-                <a:ea typeface="+mn-ea"/>
-                <a:cs typeface="+mn-cs"/>
-              </a:defRPr>
-            </a:lvl5pPr>
-            <a:lvl6pPr marL="2514600" indent="-228600" algn="l" defTabSz="914400" rtl="0" eaLnBrk="1" latinLnBrk="0" hangingPunct="1">
-              <a:lnSpc>
-                <a:spcPct val="90000"/>
-              </a:lnSpc>
-              <a:spcBef>
-                <a:spcPts val="250"/>
-              </a:spcBef>
-              <a:spcAft>
-                <a:spcPts val="250"/>
-              </a:spcAft>
-              <a:buClr>
-                <a:schemeClr val="accent1"/>
-              </a:buClr>
-              <a:buFont typeface="Wingdings 2" pitchFamily="18" charset="2"/>
-              <a:buChar char=""/>
-              <a:tabLst>
-                <a:tab pos="1143000" algn="l"/>
-              </a:tabLst>
-              <a:defRPr sz="1400" kern="1200">
-                <a:solidFill>
-                  <a:schemeClr val="bg2">
-                    <a:lumMod val="20000"/>
-                    <a:lumOff val="80000"/>
-                  </a:schemeClr>
-                </a:solidFill>
-                <a:latin typeface="+mn-lt"/>
-                <a:ea typeface="+mn-ea"/>
-                <a:cs typeface="+mn-cs"/>
-              </a:defRPr>
-            </a:lvl6pPr>
-            <a:lvl7pPr marL="2971800" indent="-228600" algn="l" defTabSz="914400" rtl="0" eaLnBrk="1" latinLnBrk="0" hangingPunct="1">
-              <a:lnSpc>
-                <a:spcPct val="90000"/>
-              </a:lnSpc>
-              <a:spcBef>
-                <a:spcPts val="250"/>
-              </a:spcBef>
-              <a:spcAft>
-                <a:spcPts val="250"/>
-              </a:spcAft>
-              <a:buClr>
-                <a:schemeClr val="accent1"/>
-              </a:buClr>
-              <a:buFont typeface="Wingdings 2" pitchFamily="18" charset="2"/>
-              <a:buChar char=""/>
-              <a:tabLst>
-                <a:tab pos="1143000" algn="l"/>
-              </a:tabLst>
-              <a:defRPr sz="1400" kern="1200">
-                <a:solidFill>
-                  <a:schemeClr val="bg2">
-                    <a:lumMod val="20000"/>
-                    <a:lumOff val="80000"/>
-                  </a:schemeClr>
-                </a:solidFill>
-                <a:latin typeface="+mn-lt"/>
-                <a:ea typeface="+mn-ea"/>
-                <a:cs typeface="+mn-cs"/>
-              </a:defRPr>
-            </a:lvl7pPr>
-            <a:lvl8pPr marL="3429000" indent="-228600" algn="l" defTabSz="914400" rtl="0" eaLnBrk="1" latinLnBrk="0" hangingPunct="1">
-              <a:lnSpc>
-                <a:spcPct val="90000"/>
-              </a:lnSpc>
-              <a:spcBef>
-                <a:spcPts val="250"/>
-              </a:spcBef>
-              <a:spcAft>
-                <a:spcPts val="250"/>
-              </a:spcAft>
-              <a:buClr>
-                <a:schemeClr val="accent1"/>
-              </a:buClr>
-              <a:buFont typeface="Wingdings 2" pitchFamily="18" charset="2"/>
-              <a:buChar char=""/>
-              <a:tabLst>
-                <a:tab pos="1143000" algn="l"/>
-              </a:tabLst>
-              <a:defRPr sz="1400" kern="1200">
-                <a:solidFill>
-                  <a:schemeClr val="bg2">
-                    <a:lumMod val="20000"/>
-                    <a:lumOff val="80000"/>
-                  </a:schemeClr>
-                </a:solidFill>
-                <a:latin typeface="+mn-lt"/>
-                <a:ea typeface="+mn-ea"/>
-                <a:cs typeface="+mn-cs"/>
-              </a:defRPr>
-            </a:lvl8pPr>
-            <a:lvl9pPr marL="3886200" indent="-228600" algn="l" defTabSz="914400" rtl="0" eaLnBrk="1" latinLnBrk="0" hangingPunct="1">
-              <a:lnSpc>
-                <a:spcPct val="90000"/>
-              </a:lnSpc>
-              <a:spcBef>
-                <a:spcPts val="250"/>
-              </a:spcBef>
-              <a:spcAft>
-                <a:spcPts val="250"/>
-              </a:spcAft>
-              <a:buClr>
-                <a:schemeClr val="accent1"/>
-              </a:buClr>
-              <a:buFont typeface="Wingdings 2" pitchFamily="18" charset="2"/>
-              <a:buChar char=""/>
-              <a:tabLst>
-                <a:tab pos="1143000" algn="l"/>
-              </a:tabLst>
-              <a:defRPr sz="1400" kern="1200">
-                <a:solidFill>
-                  <a:schemeClr val="bg2">
-                    <a:lumMod val="20000"/>
-                    <a:lumOff val="80000"/>
-                  </a:schemeClr>
-                </a:solidFill>
-                <a:latin typeface="+mn-lt"/>
-                <a:ea typeface="+mn-ea"/>
-                <a:cs typeface="+mn-cs"/>
-              </a:defRPr>
-            </a:lvl9pPr>
-          </a:lstStyle>
-          <a:p>
-            <a:pPr marL="0" indent="0">
-              <a:buNone/>
-            </a:pPr>
-            <a:r>
-              <a:rPr lang="en-US" altLang="zh-CN" sz="2800" dirty="0"/>
-              <a:t>	</a:t>
-            </a:r>
-          </a:p>
-        </p:txBody>
-      </p:sp>
-    </p:spTree>
-    <p:extLst>
-      <p:ext uri="{BB962C8B-B14F-4D97-AF65-F5344CB8AC3E}">
-        <p14:creationId xmlns:p14="http://schemas.microsoft.com/office/powerpoint/2010/main" val="1046007856"/>
-      </p:ext>
-    </p:extLst>
-  </p:cSld>
-  <p:clrMapOvr>
-    <a:masterClrMapping/>
-  </p:clrMapOvr>
-</p:sld>
-</file>
-
-<file path=ppt/slides/slide9.xml><?xml version="1.0" encoding="utf-8"?>
-<p:sld xmlns:a="http://schemas.openxmlformats.org/drawingml/2006/main" xmlns:r="http://schemas.openxmlformats.org/officeDocument/2006/relationships" xmlns:p="http://schemas.openxmlformats.org/presentationml/2006/main">
-  <p:cSld>
-    <p:spTree>
-      <p:nvGrpSpPr>
-        <p:cNvPr id="1" name=""/>
-        <p:cNvGrpSpPr/>
-        <p:nvPr/>
-      </p:nvGrpSpPr>
-      <p:grpSpPr>
-        <a:xfrm>
-          <a:off x="0" y="0"/>
-          <a:ext cx="0" cy="0"/>
-          <a:chOff x="0" y="0"/>
-          <a:chExt cx="0" cy="0"/>
-        </a:xfrm>
-      </p:grpSpPr>
-      <p:sp>
-        <p:nvSpPr>
-          <p:cNvPr id="2" name="标题 1">
-            <a:extLst>
-              <a:ext uri="{FF2B5EF4-FFF2-40B4-BE49-F238E27FC236}">
-                <a16:creationId xmlns:a16="http://schemas.microsoft.com/office/drawing/2014/main" id="{7AED85FD-0685-407F-8FB9-8E97DD718062}"/>
-              </a:ext>
-            </a:extLst>
-          </p:cNvPr>
-          <p:cNvSpPr>
-            <a:spLocks noGrp="1"/>
-          </p:cNvSpPr>
-          <p:nvPr>
-            <p:ph type="title"/>
-          </p:nvPr>
-        </p:nvSpPr>
-        <p:spPr/>
-        <p:txBody>
-          <a:bodyPr/>
-          <a:lstStyle/>
-          <a:p>
-            <a:r>
-              <a:rPr lang="zh-CN" altLang="en-US" dirty="0"/>
-              <a:t>项目成果</a:t>
-            </a:r>
-          </a:p>
-        </p:txBody>
-      </p:sp>
-      <p:sp>
-        <p:nvSpPr>
-          <p:cNvPr id="3" name="内容占位符 2">
-            <a:extLst>
-              <a:ext uri="{FF2B5EF4-FFF2-40B4-BE49-F238E27FC236}">
-                <a16:creationId xmlns:a16="http://schemas.microsoft.com/office/drawing/2014/main" id="{4FA96CFD-4A04-469A-99D3-76DAA70D7FA3}"/>
-              </a:ext>
-            </a:extLst>
-          </p:cNvPr>
-          <p:cNvSpPr>
-            <a:spLocks noGrp="1"/>
-          </p:cNvSpPr>
-          <p:nvPr>
-            <p:ph idx="1"/>
-          </p:nvPr>
-        </p:nvSpPr>
-        <p:spPr/>
-        <p:txBody>
-          <a:bodyPr>
-            <a:normAutofit/>
-          </a:bodyPr>
-          <a:lstStyle/>
-          <a:p>
-            <a:r>
-              <a:rPr lang="zh-CN" altLang="en-US" sz="3200" dirty="0"/>
-              <a:t>现场展示代码运行的结果</a:t>
-            </a:r>
-          </a:p>
-        </p:txBody>
-      </p:sp>
-    </p:spTree>
-    <p:extLst>
-      <p:ext uri="{BB962C8B-B14F-4D97-AF65-F5344CB8AC3E}">
-        <p14:creationId xmlns:p14="http://schemas.microsoft.com/office/powerpoint/2010/main" val="3358260942"/>
       </p:ext>
     </p:extLst>
   </p:cSld>
@@ -7005,4 +7596,299 @@
     </a:ext>
   </a:extLst>
 </a:theme>
+</file>
+
+<file path=ppt/theme/theme2.xml><?xml version="1.0" encoding="utf-8"?>
+<a:theme xmlns:a="http://schemas.openxmlformats.org/drawingml/2006/main" name="Office 主题​​">
+  <a:themeElements>
+    <a:clrScheme name="Office">
+      <a:dk1>
+        <a:sysClr val="windowText" lastClr="000000"/>
+      </a:dk1>
+      <a:lt1>
+        <a:sysClr val="window" lastClr="FFFFFF"/>
+      </a:lt1>
+      <a:dk2>
+        <a:srgbClr val="44546A"/>
+      </a:dk2>
+      <a:lt2>
+        <a:srgbClr val="E7E6E6"/>
+      </a:lt2>
+      <a:accent1>
+        <a:srgbClr val="4472C4"/>
+      </a:accent1>
+      <a:accent2>
+        <a:srgbClr val="ED7D31"/>
+      </a:accent2>
+      <a:accent3>
+        <a:srgbClr val="A5A5A5"/>
+      </a:accent3>
+      <a:accent4>
+        <a:srgbClr val="FFC000"/>
+      </a:accent4>
+      <a:accent5>
+        <a:srgbClr val="5B9BD5"/>
+      </a:accent5>
+      <a:accent6>
+        <a:srgbClr val="70AD47"/>
+      </a:accent6>
+      <a:hlink>
+        <a:srgbClr val="0563C1"/>
+      </a:hlink>
+      <a:folHlink>
+        <a:srgbClr val="954F72"/>
+      </a:folHlink>
+    </a:clrScheme>
+    <a:fontScheme name="Office">
+      <a:majorFont>
+        <a:latin typeface="等线 Light" panose="020F0302020204030204"/>
+        <a:ea typeface=""/>
+        <a:cs typeface=""/>
+        <a:font script="Jpan" typeface="游ゴシック Light"/>
+        <a:font script="Hang" typeface="맑은 고딕"/>
+        <a:font script="Hans" typeface="等线 Light"/>
+        <a:font script="Hant" typeface="新細明體"/>
+        <a:font script="Arab" typeface="Times New Roman"/>
+        <a:font script="Hebr" typeface="Times New Roman"/>
+        <a:font script="Thai" typeface="Angsana New"/>
+        <a:font script="Ethi" typeface="Nyala"/>
+        <a:font script="Beng" typeface="Vrinda"/>
+        <a:font script="Gujr" typeface="Shruti"/>
+        <a:font script="Khmr" typeface="MoolBoran"/>
+        <a:font script="Knda" typeface="Tunga"/>
+        <a:font script="Guru" typeface="Raavi"/>
+        <a:font script="Cans" typeface="Euphemia"/>
+        <a:font script="Cher" typeface="Plantagenet Cherokee"/>
+        <a:font script="Yiii" typeface="Microsoft Yi Baiti"/>
+        <a:font script="Tibt" typeface="Microsoft Himalaya"/>
+        <a:font script="Thaa" typeface="MV Boli"/>
+        <a:font script="Deva" typeface="Mangal"/>
+        <a:font script="Telu" typeface="Gautami"/>
+        <a:font script="Taml" typeface="Latha"/>
+        <a:font script="Syrc" typeface="Estrangelo Edessa"/>
+        <a:font script="Orya" typeface="Kalinga"/>
+        <a:font script="Mlym" typeface="Kartika"/>
+        <a:font script="Laoo" typeface="DokChampa"/>
+        <a:font script="Sinh" typeface="Iskoola Pota"/>
+        <a:font script="Mong" typeface="Mongolian Baiti"/>
+        <a:font script="Viet" typeface="Times New Roman"/>
+        <a:font script="Uigh" typeface="Microsoft Uighur"/>
+        <a:font script="Geor" typeface="Sylfaen"/>
+        <a:font script="Armn" typeface="Arial"/>
+        <a:font script="Bugi" typeface="Leelawadee UI"/>
+        <a:font script="Bopo" typeface="Microsoft JhengHei"/>
+        <a:font script="Java" typeface="Javanese Text"/>
+        <a:font script="Lisu" typeface="Segoe UI"/>
+        <a:font script="Mymr" typeface="Myanmar Text"/>
+        <a:font script="Nkoo" typeface="Ebrima"/>
+        <a:font script="Olck" typeface="Nirmala UI"/>
+        <a:font script="Osma" typeface="Ebrima"/>
+        <a:font script="Phag" typeface="Phagspa"/>
+        <a:font script="Syrn" typeface="Estrangelo Edessa"/>
+        <a:font script="Syrj" typeface="Estrangelo Edessa"/>
+        <a:font script="Syre" typeface="Estrangelo Edessa"/>
+        <a:font script="Sora" typeface="Nirmala UI"/>
+        <a:font script="Tale" typeface="Microsoft Tai Le"/>
+        <a:font script="Talu" typeface="Microsoft New Tai Lue"/>
+        <a:font script="Tfng" typeface="Ebrima"/>
+      </a:majorFont>
+      <a:minorFont>
+        <a:latin typeface="等线" panose="020F0502020204030204"/>
+        <a:ea typeface=""/>
+        <a:cs typeface=""/>
+        <a:font script="Jpan" typeface="游ゴシック"/>
+        <a:font script="Hang" typeface="맑은 고딕"/>
+        <a:font script="Hans" typeface="等线"/>
+        <a:font script="Hant" typeface="新細明體"/>
+        <a:font script="Arab" typeface="Arial"/>
+        <a:font script="Hebr" typeface="Arial"/>
+        <a:font script="Thai" typeface="Cordia New"/>
+        <a:font script="Ethi" typeface="Nyala"/>
+        <a:font script="Beng" typeface="Vrinda"/>
+        <a:font script="Gujr" typeface="Shruti"/>
+        <a:font script="Khmr" typeface="DaunPenh"/>
+        <a:font script="Knda" typeface="Tunga"/>
+        <a:font script="Guru" typeface="Raavi"/>
+        <a:font script="Cans" typeface="Euphemia"/>
+        <a:font script="Cher" typeface="Plantagenet Cherokee"/>
+        <a:font script="Yiii" typeface="Microsoft Yi Baiti"/>
+        <a:font script="Tibt" typeface="Microsoft Himalaya"/>
+        <a:font script="Thaa" typeface="MV Boli"/>
+        <a:font script="Deva" typeface="Mangal"/>
+        <a:font script="Telu" typeface="Gautami"/>
+        <a:font script="Taml" typeface="Latha"/>
+        <a:font script="Syrc" typeface="Estrangelo Edessa"/>
+        <a:font script="Orya" typeface="Kalinga"/>
+        <a:font script="Mlym" typeface="Kartika"/>
+        <a:font script="Laoo" typeface="DokChampa"/>
+        <a:font script="Sinh" typeface="Iskoola Pota"/>
+        <a:font script="Mong" typeface="Mongolian Baiti"/>
+        <a:font script="Viet" typeface="Arial"/>
+        <a:font script="Uigh" typeface="Microsoft Uighur"/>
+        <a:font script="Geor" typeface="Sylfaen"/>
+        <a:font script="Armn" typeface="Arial"/>
+        <a:font script="Bugi" typeface="Leelawadee UI"/>
+        <a:font script="Bopo" typeface="Microsoft JhengHei"/>
+        <a:font script="Java" typeface="Javanese Text"/>
+        <a:font script="Lisu" typeface="Segoe UI"/>
+        <a:font script="Mymr" typeface="Myanmar Text"/>
+        <a:font script="Nkoo" typeface="Ebrima"/>
+        <a:font script="Olck" typeface="Nirmala UI"/>
+        <a:font script="Osma" typeface="Ebrima"/>
+        <a:font script="Phag" typeface="Phagspa"/>
+        <a:font script="Syrn" typeface="Estrangelo Edessa"/>
+        <a:font script="Syrj" typeface="Estrangelo Edessa"/>
+        <a:font script="Syre" typeface="Estrangelo Edessa"/>
+        <a:font script="Sora" typeface="Nirmala UI"/>
+        <a:font script="Tale" typeface="Microsoft Tai Le"/>
+        <a:font script="Talu" typeface="Microsoft New Tai Lue"/>
+        <a:font script="Tfng" typeface="Ebrima"/>
+      </a:minorFont>
+    </a:fontScheme>
+    <a:fmtScheme name="Office">
+      <a:fillStyleLst>
+        <a:solidFill>
+          <a:schemeClr val="phClr"/>
+        </a:solidFill>
+        <a:gradFill rotWithShape="1">
+          <a:gsLst>
+            <a:gs pos="0">
+              <a:schemeClr val="phClr">
+                <a:lumMod val="110000"/>
+                <a:satMod val="105000"/>
+                <a:tint val="67000"/>
+              </a:schemeClr>
+            </a:gs>
+            <a:gs pos="50000">
+              <a:schemeClr val="phClr">
+                <a:lumMod val="105000"/>
+                <a:satMod val="103000"/>
+                <a:tint val="73000"/>
+              </a:schemeClr>
+            </a:gs>
+            <a:gs pos="100000">
+              <a:schemeClr val="phClr">
+                <a:lumMod val="105000"/>
+                <a:satMod val="109000"/>
+                <a:tint val="81000"/>
+              </a:schemeClr>
+            </a:gs>
+          </a:gsLst>
+          <a:lin ang="5400000" scaled="0"/>
+        </a:gradFill>
+        <a:gradFill rotWithShape="1">
+          <a:gsLst>
+            <a:gs pos="0">
+              <a:schemeClr val="phClr">
+                <a:satMod val="103000"/>
+                <a:lumMod val="102000"/>
+                <a:tint val="94000"/>
+              </a:schemeClr>
+            </a:gs>
+            <a:gs pos="50000">
+              <a:schemeClr val="phClr">
+                <a:satMod val="110000"/>
+                <a:lumMod val="100000"/>
+                <a:shade val="100000"/>
+              </a:schemeClr>
+            </a:gs>
+            <a:gs pos="100000">
+              <a:schemeClr val="phClr">
+                <a:lumMod val="99000"/>
+                <a:satMod val="120000"/>
+                <a:shade val="78000"/>
+              </a:schemeClr>
+            </a:gs>
+          </a:gsLst>
+          <a:lin ang="5400000" scaled="0"/>
+        </a:gradFill>
+      </a:fillStyleLst>
+      <a:lnStyleLst>
+        <a:ln w="6350" cap="flat" cmpd="sng" algn="ctr">
+          <a:solidFill>
+            <a:schemeClr val="phClr"/>
+          </a:solidFill>
+          <a:prstDash val="solid"/>
+          <a:miter lim="800000"/>
+        </a:ln>
+        <a:ln w="12700" cap="flat" cmpd="sng" algn="ctr">
+          <a:solidFill>
+            <a:schemeClr val="phClr"/>
+          </a:solidFill>
+          <a:prstDash val="solid"/>
+          <a:miter lim="800000"/>
+        </a:ln>
+        <a:ln w="19050" cap="flat" cmpd="sng" algn="ctr">
+          <a:solidFill>
+            <a:schemeClr val="phClr"/>
+          </a:solidFill>
+          <a:prstDash val="solid"/>
+          <a:miter lim="800000"/>
+        </a:ln>
+      </a:lnStyleLst>
+      <a:effectStyleLst>
+        <a:effectStyle>
+          <a:effectLst/>
+        </a:effectStyle>
+        <a:effectStyle>
+          <a:effectLst/>
+        </a:effectStyle>
+        <a:effectStyle>
+          <a:effectLst>
+            <a:outerShdw blurRad="57150" dist="19050" dir="5400000" algn="ctr" rotWithShape="0">
+              <a:srgbClr val="000000">
+                <a:alpha val="63000"/>
+              </a:srgbClr>
+            </a:outerShdw>
+          </a:effectLst>
+        </a:effectStyle>
+      </a:effectStyleLst>
+      <a:bgFillStyleLst>
+        <a:solidFill>
+          <a:schemeClr val="phClr"/>
+        </a:solidFill>
+        <a:solidFill>
+          <a:schemeClr val="phClr">
+            <a:tint val="95000"/>
+            <a:satMod val="170000"/>
+          </a:schemeClr>
+        </a:solidFill>
+        <a:gradFill rotWithShape="1">
+          <a:gsLst>
+            <a:gs pos="0">
+              <a:schemeClr val="phClr">
+                <a:tint val="93000"/>
+                <a:satMod val="150000"/>
+                <a:shade val="98000"/>
+                <a:lumMod val="102000"/>
+              </a:schemeClr>
+            </a:gs>
+            <a:gs pos="50000">
+              <a:schemeClr val="phClr">
+                <a:tint val="98000"/>
+                <a:satMod val="130000"/>
+                <a:shade val="90000"/>
+                <a:lumMod val="103000"/>
+              </a:schemeClr>
+            </a:gs>
+            <a:gs pos="100000">
+              <a:schemeClr val="phClr">
+                <a:shade val="63000"/>
+                <a:satMod val="120000"/>
+              </a:schemeClr>
+            </a:gs>
+          </a:gsLst>
+          <a:lin ang="5400000" scaled="0"/>
+        </a:gradFill>
+      </a:bgFillStyleLst>
+    </a:fmtScheme>
+  </a:themeElements>
+  <a:objectDefaults/>
+  <a:extraClrSchemeLst/>
+  <a:extLst>
+    <a:ext uri="{05A4C25C-085E-4340-85A3-A5531E510DB2}">
+      <thm15:themeFamily xmlns:thm15="http://schemas.microsoft.com/office/thememl/2012/main" name="Office Theme" id="{62F939B6-93AF-4DB8-9C6B-D6C7DFDC589F}" vid="{4A3C46E8-61CC-4603-A589-7422A47A8E4A}"/>
+    </a:ext>
+  </a:extLst>
+</a:theme>
 </file>